--- a/figures/resources/global_background_correction.pptx
+++ b/figures/resources/global_background_correction.pptx
@@ -3444,84 +3444,126 @@
           <a:chExt cx="0" cy="0"/>
         </a:xfrm>
       </p:grpSpPr>
-      <p:sp>
-        <p:nvSpPr>
-          <p:cNvPr id="11" name="TextBox 10">
-            <a:extLst>
-              <a:ext uri="{FF2B5EF4-FFF2-40B4-BE49-F238E27FC236}">
-                <a16:creationId xmlns:a16="http://schemas.microsoft.com/office/drawing/2014/main" id="{60B94755-2A0A-AD41-8121-5481543127AA}"/>
-              </a:ext>
-            </a:extLst>
-          </p:cNvPr>
-          <p:cNvSpPr txBox="1"/>
+      <p:pic>
+        <p:nvPicPr>
+          <p:cNvPr id="3" name="Picture 2">
+            <a:extLst>
+              <a:ext uri="{FF2B5EF4-FFF2-40B4-BE49-F238E27FC236}">
+                <a16:creationId xmlns:a16="http://schemas.microsoft.com/office/drawing/2014/main" id="{4357B4DF-E324-5D4E-8409-F8A7C13E94D7}"/>
+              </a:ext>
+            </a:extLst>
+          </p:cNvPr>
+          <p:cNvPicPr>
+            <a:picLocks noChangeAspect="1"/>
+          </p:cNvPicPr>
           <p:nvPr/>
-        </p:nvSpPr>
+        </p:nvPicPr>
+        <p:blipFill>
+          <a:blip r:embed="rId2"/>
+          <a:stretch>
+            <a:fillRect/>
+          </a:stretch>
+        </p:blipFill>
         <p:spPr>
           <a:xfrm>
-            <a:off x="8081319" y="1915297"/>
-            <a:ext cx="301686" cy="369332"/>
+            <a:off x="5104094" y="298383"/>
+            <a:ext cx="4315517" cy="3019156"/>
           </a:xfrm>
           <a:prstGeom prst="rect">
             <a:avLst/>
           </a:prstGeom>
-          <a:noFill/>
         </p:spPr>
-        <p:txBody>
-          <a:bodyPr wrap="none" rtlCol="0">
-            <a:spAutoFit/>
-          </a:bodyPr>
-          <a:lstStyle/>
-          <a:p>
-            <a:r>
-              <a:rPr lang="de-DE" dirty="0">
-                <a:solidFill>
-                  <a:schemeClr val="bg1"/>
-                </a:solidFill>
-              </a:rPr>
-              <a:t>1</a:t>
-            </a:r>
-          </a:p>
-        </p:txBody>
-      </p:sp>
-      <p:sp>
-        <p:nvSpPr>
-          <p:cNvPr id="12" name="TextBox 11">
-            <a:extLst>
-              <a:ext uri="{FF2B5EF4-FFF2-40B4-BE49-F238E27FC236}">
-                <a16:creationId xmlns:a16="http://schemas.microsoft.com/office/drawing/2014/main" id="{16BFCE6E-41BE-3543-983E-207CA98DC2E6}"/>
-              </a:ext>
-            </a:extLst>
-          </p:cNvPr>
-          <p:cNvSpPr txBox="1"/>
+      </p:pic>
+      <p:pic>
+        <p:nvPicPr>
+          <p:cNvPr id="14" name="Picture 13">
+            <a:extLst>
+              <a:ext uri="{FF2B5EF4-FFF2-40B4-BE49-F238E27FC236}">
+                <a16:creationId xmlns:a16="http://schemas.microsoft.com/office/drawing/2014/main" id="{58DD071C-8694-6F43-A056-2725DAB46182}"/>
+              </a:ext>
+            </a:extLst>
+          </p:cNvPr>
+          <p:cNvPicPr>
+            <a:picLocks noChangeAspect="1"/>
+          </p:cNvPicPr>
           <p:nvPr/>
-        </p:nvSpPr>
+        </p:nvPicPr>
+        <p:blipFill>
+          <a:blip r:embed="rId3"/>
+          <a:stretch>
+            <a:fillRect/>
+          </a:stretch>
+        </p:blipFill>
         <p:spPr>
           <a:xfrm>
-            <a:off x="7012490" y="1803401"/>
-            <a:ext cx="301686" cy="369332"/>
+            <a:off x="5079571" y="3592171"/>
+            <a:ext cx="4340039" cy="3019157"/>
           </a:xfrm>
           <a:prstGeom prst="rect">
             <a:avLst/>
           </a:prstGeom>
-          <a:noFill/>
         </p:spPr>
-        <p:txBody>
-          <a:bodyPr wrap="none" rtlCol="0">
-            <a:spAutoFit/>
-          </a:bodyPr>
-          <a:lstStyle/>
-          <a:p>
-            <a:r>
-              <a:rPr lang="de-DE" dirty="0">
-                <a:solidFill>
-                  <a:schemeClr val="bg1"/>
-                </a:solidFill>
-              </a:rPr>
-              <a:t>2</a:t>
-            </a:r>
-          </a:p>
-        </p:txBody>
-      </p:sp>
+      </p:pic>
+      <p:pic>
+        <p:nvPicPr>
+          <p:cNvPr id="9" name="Picture 8">
+            <a:extLst>
+              <a:ext uri="{FF2B5EF4-FFF2-40B4-BE49-F238E27FC236}">
+                <a16:creationId xmlns:a16="http://schemas.microsoft.com/office/drawing/2014/main" id="{C9F38304-7EBE-9F40-B87D-5193123C0680}"/>
+              </a:ext>
+            </a:extLst>
+          </p:cNvPr>
+          <p:cNvPicPr>
+            <a:picLocks noChangeAspect="1"/>
+          </p:cNvPicPr>
+          <p:nvPr/>
+        </p:nvPicPr>
+        <p:blipFill>
+          <a:blip r:embed="rId4"/>
+          <a:stretch>
+            <a:fillRect/>
+          </a:stretch>
+        </p:blipFill>
+        <p:spPr>
+          <a:xfrm>
+            <a:off x="1900169" y="0"/>
+            <a:ext cx="3504410" cy="3746381"/>
+          </a:xfrm>
+          <a:prstGeom prst="rect">
+            <a:avLst/>
+          </a:prstGeom>
+        </p:spPr>
+      </p:pic>
+      <p:pic>
+        <p:nvPicPr>
+          <p:cNvPr id="13" name="Picture 12">
+            <a:extLst>
+              <a:ext uri="{FF2B5EF4-FFF2-40B4-BE49-F238E27FC236}">
+                <a16:creationId xmlns:a16="http://schemas.microsoft.com/office/drawing/2014/main" id="{18BCE683-D32F-5440-A9ED-E73C32C53E00}"/>
+              </a:ext>
+            </a:extLst>
+          </p:cNvPr>
+          <p:cNvPicPr>
+            <a:picLocks noChangeAspect="1"/>
+          </p:cNvPicPr>
+          <p:nvPr/>
+        </p:nvPicPr>
+        <p:blipFill>
+          <a:blip r:embed="rId5"/>
+          <a:stretch>
+            <a:fillRect/>
+          </a:stretch>
+        </p:blipFill>
+        <p:spPr>
+          <a:xfrm>
+            <a:off x="1900170" y="3305664"/>
+            <a:ext cx="3504410" cy="3746382"/>
+          </a:xfrm>
+          <a:prstGeom prst="rect">
+            <a:avLst/>
+          </a:prstGeom>
+        </p:spPr>
+      </p:pic>
     </p:spTree>
     <p:extLst>
       <p:ext uri="{BB962C8B-B14F-4D97-AF65-F5344CB8AC3E}">
